--- a/android/touch/doc/slides.pptx
+++ b/android/touch/doc/slides.pptx
@@ -112,6 +112,11 @@
       </a:defRPr>
     </a:lvl9pPr>
   </p:defaultTextStyle>
+  <p:extLst>
+    <p:ext uri="{EFAFB233-063F-42B5-8137-9DF3F51BA10A}">
+      <p15:sldGuideLst xmlns:p15="http://schemas.microsoft.com/office/powerpoint/2012/main"/>
+    </p:ext>
+  </p:extLst>
 </p:presentation>
 </file>
 
@@ -197,7 +202,7 @@
           <a:p>
             <a:fld id="{3CCA26DC-29AB-4E86-8D12-AF861295981C}" type="datetimeFigureOut">
               <a:rPr lang="en-US" smtClean="0"/>
-              <a:t>7/30/2015</a:t>
+              <a:t>8/6/2015</a:t>
             </a:fld>
             <a:endParaRPr lang="en-US"/>
           </a:p>
@@ -5147,7 +5152,7 @@
       </p:sp>
       <p:pic>
         <p:nvPicPr>
-          <p:cNvPr id="8" name="Picture 7"/>
+          <p:cNvPr id="2" name="Picture 1"/>
           <p:cNvPicPr>
             <a:picLocks noChangeAspect="1"/>
           </p:cNvPicPr>
@@ -5167,8 +5172,8 @@
         </p:blipFill>
         <p:spPr>
           <a:xfrm>
-            <a:off x="1066936" y="1487716"/>
-            <a:ext cx="3857625" cy="4670699"/>
+            <a:off x="1445213" y="1487716"/>
+            <a:ext cx="2770144" cy="4924698"/>
           </a:xfrm>
           <a:prstGeom prst="rect">
             <a:avLst/>
@@ -5177,7 +5182,7 @@
       </p:pic>
       <p:pic>
         <p:nvPicPr>
-          <p:cNvPr id="9" name="Picture 8"/>
+          <p:cNvPr id="3" name="Picture 2"/>
           <p:cNvPicPr>
             <a:picLocks noChangeAspect="1"/>
           </p:cNvPicPr>
@@ -5197,8 +5202,8 @@
         </p:blipFill>
         <p:spPr>
           <a:xfrm>
-            <a:off x="5795689" y="1487716"/>
-            <a:ext cx="3857625" cy="4654731"/>
+            <a:off x="5099155" y="1484232"/>
+            <a:ext cx="2760046" cy="4906748"/>
           </a:xfrm>
           <a:prstGeom prst="rect">
             <a:avLst/>
@@ -5306,7 +5311,7 @@
       </p:sp>
       <p:pic>
         <p:nvPicPr>
-          <p:cNvPr id="7" name="Picture 6"/>
+          <p:cNvPr id="2" name="Picture 1"/>
           <p:cNvPicPr>
             <a:picLocks noChangeAspect="1"/>
           </p:cNvPicPr>
@@ -5326,8 +5331,8 @@
         </p:blipFill>
         <p:spPr>
           <a:xfrm>
-            <a:off x="6199634" y="365124"/>
-            <a:ext cx="3857625" cy="6025855"/>
+            <a:off x="1595709" y="365125"/>
+            <a:ext cx="3235508" cy="5752012"/>
           </a:xfrm>
           <a:prstGeom prst="rect">
             <a:avLst/>
@@ -5336,7 +5341,7 @@
       </p:pic>
       <p:pic>
         <p:nvPicPr>
-          <p:cNvPr id="8" name="Picture 7"/>
+          <p:cNvPr id="9" name="Picture 8"/>
           <p:cNvPicPr>
             <a:picLocks noChangeAspect="1"/>
           </p:cNvPicPr>
@@ -5356,8 +5361,8 @@
         </p:blipFill>
         <p:spPr>
           <a:xfrm>
-            <a:off x="1305417" y="365124"/>
-            <a:ext cx="3857625" cy="6025855"/>
+            <a:off x="6120085" y="365125"/>
+            <a:ext cx="3235508" cy="5752012"/>
           </a:xfrm>
           <a:prstGeom prst="rect">
             <a:avLst/>

--- a/android/touch/doc/slides.pptx
+++ b/android/touch/doc/slides.pptx
@@ -202,7 +202,7 @@
           <a:p>
             <a:fld id="{3CCA26DC-29AB-4E86-8D12-AF861295981C}" type="datetimeFigureOut">
               <a:rPr lang="en-US" smtClean="0"/>
-              <a:t>8/6/2015</a:t>
+              <a:t>8/9/2015</a:t>
             </a:fld>
             <a:endParaRPr lang="en-US"/>
           </a:p>
@@ -5172,8 +5172,8 @@
         </p:blipFill>
         <p:spPr>
           <a:xfrm>
-            <a:off x="1445213" y="1487716"/>
-            <a:ext cx="2770144" cy="4924698"/>
+            <a:off x="2286000" y="1487716"/>
+            <a:ext cx="2828926" cy="5029200"/>
           </a:xfrm>
           <a:prstGeom prst="rect">
             <a:avLst/>
@@ -5202,8 +5202,8 @@
         </p:blipFill>
         <p:spPr>
           <a:xfrm>
-            <a:off x="5099155" y="1484232"/>
-            <a:ext cx="2760046" cy="4906748"/>
+            <a:off x="6400800" y="1484232"/>
+            <a:ext cx="2828925" cy="5029200"/>
           </a:xfrm>
           <a:prstGeom prst="rect">
             <a:avLst/>
@@ -5331,8 +5331,8 @@
         </p:blipFill>
         <p:spPr>
           <a:xfrm>
-            <a:off x="1595709" y="365125"/>
-            <a:ext cx="3235508" cy="5752012"/>
+            <a:off x="2286000" y="365125"/>
+            <a:ext cx="3343276" cy="5943600"/>
           </a:xfrm>
           <a:prstGeom prst="rect">
             <a:avLst/>
@@ -5361,8 +5361,8 @@
         </p:blipFill>
         <p:spPr>
           <a:xfrm>
-            <a:off x="6120085" y="365125"/>
-            <a:ext cx="3235508" cy="5752012"/>
+            <a:off x="6400800" y="365125"/>
+            <a:ext cx="3343276" cy="5943600"/>
           </a:xfrm>
           <a:prstGeom prst="rect">
             <a:avLst/>
